--- a/開發環境與可行性/技術文獻和比較.pptx
+++ b/開發環境與可行性/技術文獻和比較.pptx
@@ -119,6 +119,50 @@
 </p:presentation>
 </file>
 
+<file path=ppt/changesInfos/changesInfo1.xml><?xml version="1.0" encoding="utf-8"?>
+<pc:chgInfo xmlns:a="http://schemas.openxmlformats.org/drawingml/2006/main" xmlns:r="http://schemas.openxmlformats.org/officeDocument/2006/relationships" xmlns:ac="http://schemas.microsoft.com/office/drawing/2013/main/command" xmlns:pc="http://schemas.microsoft.com/office/powerpoint/2013/main/command">
+  <pc:docChgLst>
+    <pc:chgData name="品佑 陳" userId="b47096fc5e872c87" providerId="LiveId" clId="{16AD348D-B6A9-48E6-AF5B-8F425751BB5B}"/>
+    <pc:docChg chg="custSel modSld">
+      <pc:chgData name="品佑 陳" userId="b47096fc5e872c87" providerId="LiveId" clId="{16AD348D-B6A9-48E6-AF5B-8F425751BB5B}" dt="2023-12-05T07:16:48.953" v="18"/>
+      <pc:docMkLst>
+        <pc:docMk/>
+      </pc:docMkLst>
+      <pc:sldChg chg="modSp mod">
+        <pc:chgData name="品佑 陳" userId="b47096fc5e872c87" providerId="LiveId" clId="{16AD348D-B6A9-48E6-AF5B-8F425751BB5B}" dt="2023-12-05T06:28:42.680" v="17" actId="27636"/>
+        <pc:sldMkLst>
+          <pc:docMk/>
+          <pc:sldMk cId="1898661629" sldId="256"/>
+        </pc:sldMkLst>
+        <pc:spChg chg="mod">
+          <ac:chgData name="品佑 陳" userId="b47096fc5e872c87" providerId="LiveId" clId="{16AD348D-B6A9-48E6-AF5B-8F425751BB5B}" dt="2023-12-05T06:28:42.680" v="17" actId="27636"/>
+          <ac:spMkLst>
+            <pc:docMk/>
+            <pc:sldMk cId="1898661629" sldId="256"/>
+            <ac:spMk id="3" creationId="{2B587493-3775-5C6D-3131-9FD4E639AB96}"/>
+          </ac:spMkLst>
+        </pc:spChg>
+      </pc:sldChg>
+      <pc:sldChg chg="modSp mod">
+        <pc:chgData name="品佑 陳" userId="b47096fc5e872c87" providerId="LiveId" clId="{16AD348D-B6A9-48E6-AF5B-8F425751BB5B}" dt="2023-12-05T07:16:48.953" v="18"/>
+        <pc:sldMkLst>
+          <pc:docMk/>
+          <pc:sldMk cId="3829835014" sldId="258"/>
+        </pc:sldMkLst>
+        <pc:spChg chg="mod">
+          <ac:chgData name="品佑 陳" userId="b47096fc5e872c87" providerId="LiveId" clId="{16AD348D-B6A9-48E6-AF5B-8F425751BB5B}" dt="2023-12-05T07:16:48.953" v="18"/>
+          <ac:spMkLst>
+            <pc:docMk/>
+            <pc:sldMk cId="3829835014" sldId="258"/>
+            <ac:spMk id="4" creationId="{42B3732B-A448-F503-F050-7E1B4EE3EF3B}"/>
+          </ac:spMkLst>
+        </pc:spChg>
+      </pc:sldChg>
+    </pc:docChg>
+  </pc:docChgLst>
+</pc:chgInfo>
+</file>
+
 <file path=ppt/slideLayouts/slideLayout1.xml><?xml version="1.0" encoding="utf-8"?>
 <p:sldLayout xmlns:a="http://schemas.openxmlformats.org/drawingml/2006/main" xmlns:r="http://schemas.openxmlformats.org/officeDocument/2006/relationships" xmlns:p="http://schemas.openxmlformats.org/presentationml/2006/main" type="title" preserve="1">
   <p:cSld name="標題投影片">
@@ -266,7 +310,7 @@
           <a:p>
             <a:fld id="{26947108-CEE1-CC4B-BC45-1CD94B487EA8}" type="datetimeFigureOut">
               <a:rPr kumimoji="1" lang="zh-TW" altLang="en-US" smtClean="0"/>
-              <a:t>2023/12/4</a:t>
+              <a:t>2023/12/5</a:t>
             </a:fld>
             <a:endParaRPr kumimoji="1" lang="zh-TW" altLang="en-US"/>
           </a:p>
@@ -464,7 +508,7 @@
           <a:p>
             <a:fld id="{26947108-CEE1-CC4B-BC45-1CD94B487EA8}" type="datetimeFigureOut">
               <a:rPr kumimoji="1" lang="zh-TW" altLang="en-US" smtClean="0"/>
-              <a:t>2023/12/4</a:t>
+              <a:t>2023/12/5</a:t>
             </a:fld>
             <a:endParaRPr kumimoji="1" lang="zh-TW" altLang="en-US"/>
           </a:p>
@@ -672,7 +716,7 @@
           <a:p>
             <a:fld id="{26947108-CEE1-CC4B-BC45-1CD94B487EA8}" type="datetimeFigureOut">
               <a:rPr kumimoji="1" lang="zh-TW" altLang="en-US" smtClean="0"/>
-              <a:t>2023/12/4</a:t>
+              <a:t>2023/12/5</a:t>
             </a:fld>
             <a:endParaRPr kumimoji="1" lang="zh-TW" altLang="en-US"/>
           </a:p>
@@ -870,7 +914,7 @@
           <a:p>
             <a:fld id="{26947108-CEE1-CC4B-BC45-1CD94B487EA8}" type="datetimeFigureOut">
               <a:rPr kumimoji="1" lang="zh-TW" altLang="en-US" smtClean="0"/>
-              <a:t>2023/12/4</a:t>
+              <a:t>2023/12/5</a:t>
             </a:fld>
             <a:endParaRPr kumimoji="1" lang="zh-TW" altLang="en-US"/>
           </a:p>
@@ -1145,7 +1189,7 @@
           <a:p>
             <a:fld id="{26947108-CEE1-CC4B-BC45-1CD94B487EA8}" type="datetimeFigureOut">
               <a:rPr kumimoji="1" lang="zh-TW" altLang="en-US" smtClean="0"/>
-              <a:t>2023/12/4</a:t>
+              <a:t>2023/12/5</a:t>
             </a:fld>
             <a:endParaRPr kumimoji="1" lang="zh-TW" altLang="en-US"/>
           </a:p>
@@ -1410,7 +1454,7 @@
           <a:p>
             <a:fld id="{26947108-CEE1-CC4B-BC45-1CD94B487EA8}" type="datetimeFigureOut">
               <a:rPr kumimoji="1" lang="zh-TW" altLang="en-US" smtClean="0"/>
-              <a:t>2023/12/4</a:t>
+              <a:t>2023/12/5</a:t>
             </a:fld>
             <a:endParaRPr kumimoji="1" lang="zh-TW" altLang="en-US"/>
           </a:p>
@@ -1822,7 +1866,7 @@
           <a:p>
             <a:fld id="{26947108-CEE1-CC4B-BC45-1CD94B487EA8}" type="datetimeFigureOut">
               <a:rPr kumimoji="1" lang="zh-TW" altLang="en-US" smtClean="0"/>
-              <a:t>2023/12/4</a:t>
+              <a:t>2023/12/5</a:t>
             </a:fld>
             <a:endParaRPr kumimoji="1" lang="zh-TW" altLang="en-US"/>
           </a:p>
@@ -1963,7 +2007,7 @@
           <a:p>
             <a:fld id="{26947108-CEE1-CC4B-BC45-1CD94B487EA8}" type="datetimeFigureOut">
               <a:rPr kumimoji="1" lang="zh-TW" altLang="en-US" smtClean="0"/>
-              <a:t>2023/12/4</a:t>
+              <a:t>2023/12/5</a:t>
             </a:fld>
             <a:endParaRPr kumimoji="1" lang="zh-TW" altLang="en-US"/>
           </a:p>
@@ -2076,7 +2120,7 @@
           <a:p>
             <a:fld id="{26947108-CEE1-CC4B-BC45-1CD94B487EA8}" type="datetimeFigureOut">
               <a:rPr kumimoji="1" lang="zh-TW" altLang="en-US" smtClean="0"/>
-              <a:t>2023/12/4</a:t>
+              <a:t>2023/12/5</a:t>
             </a:fld>
             <a:endParaRPr kumimoji="1" lang="zh-TW" altLang="en-US"/>
           </a:p>
@@ -2387,7 +2431,7 @@
           <a:p>
             <a:fld id="{26947108-CEE1-CC4B-BC45-1CD94B487EA8}" type="datetimeFigureOut">
               <a:rPr kumimoji="1" lang="zh-TW" altLang="en-US" smtClean="0"/>
-              <a:t>2023/12/4</a:t>
+              <a:t>2023/12/5</a:t>
             </a:fld>
             <a:endParaRPr kumimoji="1" lang="zh-TW" altLang="en-US"/>
           </a:p>
@@ -2675,7 +2719,7 @@
           <a:p>
             <a:fld id="{26947108-CEE1-CC4B-BC45-1CD94B487EA8}" type="datetimeFigureOut">
               <a:rPr kumimoji="1" lang="zh-TW" altLang="en-US" smtClean="0"/>
-              <a:t>2023/12/4</a:t>
+              <a:t>2023/12/5</a:t>
             </a:fld>
             <a:endParaRPr kumimoji="1" lang="zh-TW" altLang="en-US"/>
           </a:p>
@@ -2916,7 +2960,7 @@
           <a:p>
             <a:fld id="{26947108-CEE1-CC4B-BC45-1CD94B487EA8}" type="datetimeFigureOut">
               <a:rPr kumimoji="1" lang="zh-TW" altLang="en-US" smtClean="0"/>
-              <a:t>2023/12/4</a:t>
+              <a:t>2023/12/5</a:t>
             </a:fld>
             <a:endParaRPr kumimoji="1" lang="zh-TW" altLang="en-US"/>
           </a:p>
@@ -3357,7 +3401,7 @@
         </p:spPr>
         <p:txBody>
           <a:bodyPr>
-            <a:normAutofit lnSpcReduction="10000"/>
+            <a:normAutofit/>
           </a:bodyPr>
           <a:lstStyle/>
           <a:p>
@@ -3466,7 +3510,34 @@
                 <a:ea typeface="楷體-簡" panose="02010600040101010101" pitchFamily="2" charset="-122"/>
                 <a:cs typeface="Times New Roman" panose="02020603050405020304" pitchFamily="18" charset="0"/>
               </a:rPr>
-              <a:t>來學習關節位置與特徵之間的映射。</a:t>
+              <a:t>來學習關節位置與特徵之間的映射</a:t>
+            </a:r>
+            <a:r>
+              <a:rPr lang="zh-TW" altLang="en-US" sz="1800" kern="100" dirty="0">
+                <a:effectLst/>
+                <a:latin typeface="Calibri" panose="020F0502020204030204" pitchFamily="34" charset="0"/>
+                <a:ea typeface="楷體-簡" panose="02010600040101010101" pitchFamily="2" charset="-122"/>
+                <a:cs typeface="Times New Roman" panose="02020603050405020304" pitchFamily="18" charset="0"/>
+              </a:rPr>
+              <a:t> </a:t>
+            </a:r>
+            <a:r>
+              <a:rPr lang="en-US" altLang="zh-TW" sz="1800" kern="100" dirty="0">
+                <a:effectLst/>
+                <a:latin typeface="Calibri" panose="020F0502020204030204" pitchFamily="34" charset="0"/>
+                <a:ea typeface="楷體-簡" panose="02010600040101010101" pitchFamily="2" charset="-122"/>
+                <a:cs typeface="Times New Roman" panose="02020603050405020304" pitchFamily="18" charset="0"/>
+              </a:rPr>
+              <a:t>(https://www.tensorflow.org/lite/examples/pose_estimation/overview?hl=zh-cn)</a:t>
+            </a:r>
+            <a:r>
+              <a:rPr lang="zh-TW" altLang="zh-TW" sz="1800" kern="100" dirty="0">
+                <a:effectLst/>
+                <a:latin typeface="Calibri" panose="020F0502020204030204" pitchFamily="34" charset="0"/>
+                <a:ea typeface="楷體-簡" panose="02010600040101010101" pitchFamily="2" charset="-122"/>
+                <a:cs typeface="Times New Roman" panose="02020603050405020304" pitchFamily="18" charset="0"/>
+              </a:rPr>
+              <a:t>。</a:t>
             </a:r>
             <a:endParaRPr lang="zh-TW" altLang="zh-TW" sz="1800" kern="100" dirty="0">
               <a:effectLst/>
@@ -3499,11 +3570,17 @@
                 <a:ea typeface="楷體-簡" panose="02010600040101010101" pitchFamily="2" charset="-122"/>
                 <a:cs typeface="Times New Roman" panose="02020603050405020304" pitchFamily="18" charset="0"/>
               </a:rPr>
-              <a:t>)</a:t>
-            </a:r>
-          </a:p>
-          <a:p>
-            <a:pPr algn="l"/>
+              <a:t>) (</a:t>
+            </a:r>
+            <a:r>
+              <a:rPr lang="en" altLang="zh-TW" sz="1800" kern="100" dirty="0">
+                <a:latin typeface="Calibri" panose="020F0502020204030204" pitchFamily="34" charset="0"/>
+                <a:ea typeface="楷體-簡" panose="02010600040101010101" pitchFamily="2" charset="-122"/>
+                <a:cs typeface="Times New Roman" panose="02020603050405020304" pitchFamily="18" charset="0"/>
+                <a:hlinkClick r:id="rId2"/>
+              </a:rPr>
+              <a:t>https://zh.wikipedia.org/zhtw/%E5%8D%B7%E7%A7%AF%E7%A5%9E%E7%BB%8F%E7%BD%91%E7%BB%9C</a:t>
+            </a:r>
             <a:endParaRPr lang="en-US" altLang="zh-TW" sz="1800" kern="100" dirty="0">
               <a:latin typeface="Calibri" panose="020F0502020204030204" pitchFamily="34" charset="0"/>
               <a:ea typeface="楷體-簡" panose="02010600040101010101" pitchFamily="2" charset="-122"/>
@@ -3513,174 +3590,16 @@
           <a:p>
             <a:pPr algn="l"/>
             <a:r>
-              <a:rPr lang="zh-TW" altLang="en-US" sz="1800" kern="100" dirty="0">
-                <a:latin typeface="Calibri" panose="020F0502020204030204" pitchFamily="34" charset="0"/>
-                <a:ea typeface="楷體-簡" panose="02010600040101010101" pitchFamily="2" charset="-122"/>
-                <a:cs typeface="Times New Roman" panose="02020603050405020304" pitchFamily="18" charset="0"/>
-              </a:rPr>
-              <a:t>文獻（</a:t>
-            </a:r>
-            <a:r>
-              <a:rPr lang="en-US" altLang="zh-TW" sz="1800" kern="100" dirty="0" err="1">
-                <a:latin typeface="楷體-簡" panose="02010600040101010101" pitchFamily="2" charset="-122"/>
-                <a:ea typeface="新細明體" panose="02020500000000000000" pitchFamily="18" charset="-120"/>
-                <a:cs typeface="Times New Roman" panose="02020603050405020304" pitchFamily="18" charset="0"/>
-              </a:rPr>
-              <a:t>P</a:t>
-            </a:r>
-            <a:r>
-              <a:rPr lang="en-US" altLang="zh-TW" sz="1800" kern="100" dirty="0" err="1">
-                <a:effectLst/>
-                <a:latin typeface="楷體-簡" panose="02010600040101010101" pitchFamily="2" charset="-122"/>
-                <a:ea typeface="新細明體" panose="02020500000000000000" pitchFamily="18" charset="-120"/>
-                <a:cs typeface="Times New Roman" panose="02020603050405020304" pitchFamily="18" charset="0"/>
-              </a:rPr>
-              <a:t>oseNet</a:t>
-            </a:r>
-            <a:r>
-              <a:rPr lang="zh-TW" altLang="en-US" sz="1800" kern="100" dirty="0">
-                <a:effectLst/>
-                <a:latin typeface="楷體-簡" panose="02010600040101010101" pitchFamily="2" charset="-122"/>
-                <a:ea typeface="新細明體" panose="02020500000000000000" pitchFamily="18" charset="-120"/>
-                <a:cs typeface="Times New Roman" panose="02020603050405020304" pitchFamily="18" charset="0"/>
-              </a:rPr>
-              <a:t> </a:t>
-            </a:r>
-            <a:r>
-              <a:rPr lang="zh-TW" altLang="en-US" sz="1800" kern="100" dirty="0">
-                <a:latin typeface="Calibri" panose="020F0502020204030204" pitchFamily="34" charset="0"/>
-                <a:ea typeface="楷體-簡" panose="02010600040101010101" pitchFamily="2" charset="-122"/>
-                <a:cs typeface="Times New Roman" panose="02020603050405020304" pitchFamily="18" charset="0"/>
-              </a:rPr>
-              <a:t>解釋）</a:t>
-            </a:r>
-            <a:endParaRPr lang="en-US" altLang="zh-TW" sz="1800" kern="100" dirty="0">
-              <a:latin typeface="Calibri" panose="020F0502020204030204" pitchFamily="34" charset="0"/>
-              <a:ea typeface="楷體-簡" panose="02010600040101010101" pitchFamily="2" charset="-122"/>
-              <a:cs typeface="Times New Roman" panose="02020603050405020304" pitchFamily="18" charset="0"/>
-            </a:endParaRPr>
+              <a:rPr lang="en-US" altLang="zh-TW" sz="1800" kern="100" dirty="0">
+                <a:latin typeface="Calibri" panose="020F0502020204030204" pitchFamily="34" charset="0"/>
+                <a:ea typeface="楷體-簡" panose="02010600040101010101" pitchFamily="2" charset="-122"/>
+                <a:cs typeface="Times New Roman" panose="02020603050405020304" pitchFamily="18" charset="0"/>
+              </a:rPr>
+              <a:t>)</a:t>
+            </a:r>
           </a:p>
           <a:p>
             <a:pPr algn="l"/>
-            <a:r>
-              <a:rPr lang="en-US" altLang="zh-TW" sz="1800" kern="100" dirty="0">
-                <a:latin typeface="Calibri" panose="020F0502020204030204" pitchFamily="34" charset="0"/>
-                <a:ea typeface="楷體-簡" panose="02010600040101010101" pitchFamily="2" charset="-122"/>
-                <a:cs typeface="Times New Roman" panose="02020603050405020304" pitchFamily="18" charset="0"/>
-              </a:rPr>
-              <a:t> </a:t>
-            </a:r>
-            <a:r>
-              <a:rPr lang="en-US" altLang="zh-TW" sz="1800" kern="100" dirty="0">
-                <a:latin typeface="Calibri" panose="020F0502020204030204" pitchFamily="34" charset="0"/>
-                <a:ea typeface="楷體-簡" panose="02010600040101010101" pitchFamily="2" charset="-122"/>
-                <a:cs typeface="Times New Roman" panose="02020603050405020304" pitchFamily="18" charset="0"/>
-                <a:hlinkClick r:id="rId2"/>
-              </a:rPr>
-              <a:t>https://kknews.cc/zh-tw/code/yrlpnrg.html </a:t>
-            </a:r>
-            <a:endParaRPr lang="en-US" altLang="zh-TW" sz="1800" kern="100" dirty="0">
-              <a:latin typeface="Calibri" panose="020F0502020204030204" pitchFamily="34" charset="0"/>
-              <a:ea typeface="楷體-簡" panose="02010600040101010101" pitchFamily="2" charset="-122"/>
-              <a:cs typeface="Times New Roman" panose="02020603050405020304" pitchFamily="18" charset="0"/>
-            </a:endParaRPr>
-          </a:p>
-          <a:p>
-            <a:pPr algn="l"/>
-            <a:endParaRPr lang="en-US" altLang="zh-TW" sz="1800" kern="100" dirty="0">
-              <a:latin typeface="Calibri" panose="020F0502020204030204" pitchFamily="34" charset="0"/>
-              <a:ea typeface="楷體-簡" panose="02010600040101010101" pitchFamily="2" charset="-122"/>
-              <a:cs typeface="Times New Roman" panose="02020603050405020304" pitchFamily="18" charset="0"/>
-            </a:endParaRPr>
-          </a:p>
-          <a:p>
-            <a:pPr algn="l"/>
-            <a:r>
-              <a:rPr lang="zh-TW" altLang="en-US" sz="1800" kern="100" dirty="0">
-                <a:latin typeface="Calibri" panose="020F0502020204030204" pitchFamily="34" charset="0"/>
-                <a:ea typeface="楷體-簡" panose="02010600040101010101" pitchFamily="2" charset="-122"/>
-                <a:cs typeface="Times New Roman" panose="02020603050405020304" pitchFamily="18" charset="0"/>
-              </a:rPr>
-              <a:t>文獻（</a:t>
-            </a:r>
-            <a:r>
-              <a:rPr lang="en-US" altLang="zh-TW" sz="1800" kern="100" dirty="0">
-                <a:latin typeface="Calibri" panose="020F0502020204030204" pitchFamily="34" charset="0"/>
-                <a:ea typeface="楷體-簡" panose="02010600040101010101" pitchFamily="2" charset="-122"/>
-                <a:cs typeface="Times New Roman" panose="02020603050405020304" pitchFamily="18" charset="0"/>
-              </a:rPr>
-              <a:t>CNN</a:t>
-            </a:r>
-            <a:r>
-              <a:rPr lang="zh-TW" altLang="en-US" sz="1800" kern="100" dirty="0">
-                <a:effectLst/>
-                <a:latin typeface="楷體-簡" panose="02010600040101010101" pitchFamily="2" charset="-122"/>
-                <a:ea typeface="新細明體" panose="02020500000000000000" pitchFamily="18" charset="-120"/>
-                <a:cs typeface="Times New Roman" panose="02020603050405020304" pitchFamily="18" charset="0"/>
-              </a:rPr>
-              <a:t> </a:t>
-            </a:r>
-            <a:r>
-              <a:rPr lang="zh-TW" altLang="en-US" sz="1800" kern="100" dirty="0">
-                <a:latin typeface="Calibri" panose="020F0502020204030204" pitchFamily="34" charset="0"/>
-                <a:ea typeface="楷體-簡" panose="02010600040101010101" pitchFamily="2" charset="-122"/>
-                <a:cs typeface="Times New Roman" panose="02020603050405020304" pitchFamily="18" charset="0"/>
-              </a:rPr>
-              <a:t>解釋）</a:t>
-            </a:r>
-            <a:endParaRPr lang="en-US" altLang="zh-TW" sz="1800" kern="100" dirty="0">
-              <a:latin typeface="Calibri" panose="020F0502020204030204" pitchFamily="34" charset="0"/>
-              <a:ea typeface="楷體-簡" panose="02010600040101010101" pitchFamily="2" charset="-122"/>
-              <a:cs typeface="Times New Roman" panose="02020603050405020304" pitchFamily="18" charset="0"/>
-            </a:endParaRPr>
-          </a:p>
-          <a:p>
-            <a:pPr algn="l"/>
-            <a:r>
-              <a:rPr lang="en" altLang="zh-TW" sz="1800" kern="100" dirty="0">
-                <a:latin typeface="Calibri" panose="020F0502020204030204" pitchFamily="34" charset="0"/>
-                <a:ea typeface="楷體-簡" panose="02010600040101010101" pitchFamily="2" charset="-122"/>
-                <a:cs typeface="Times New Roman" panose="02020603050405020304" pitchFamily="18" charset="0"/>
-                <a:hlinkClick r:id="rId3"/>
-              </a:rPr>
-              <a:t>https://</a:t>
-            </a:r>
-            <a:r>
-              <a:rPr lang="en" altLang="zh-TW" sz="1800" kern="100" dirty="0" err="1">
-                <a:latin typeface="Calibri" panose="020F0502020204030204" pitchFamily="34" charset="0"/>
-                <a:ea typeface="楷體-簡" panose="02010600040101010101" pitchFamily="2" charset="-122"/>
-                <a:cs typeface="Times New Roman" panose="02020603050405020304" pitchFamily="18" charset="0"/>
-                <a:hlinkClick r:id="rId3"/>
-              </a:rPr>
-              <a:t>zh.wikipedia.org</a:t>
-            </a:r>
-            <a:r>
-              <a:rPr lang="en" altLang="zh-TW" sz="1800" kern="100" dirty="0">
-                <a:latin typeface="Calibri" panose="020F0502020204030204" pitchFamily="34" charset="0"/>
-                <a:ea typeface="楷體-簡" panose="02010600040101010101" pitchFamily="2" charset="-122"/>
-                <a:cs typeface="Times New Roman" panose="02020603050405020304" pitchFamily="18" charset="0"/>
-                <a:hlinkClick r:id="rId3"/>
-              </a:rPr>
-              <a:t>/</a:t>
-            </a:r>
-            <a:r>
-              <a:rPr lang="en" altLang="zh-TW" sz="1800" kern="100" dirty="0" err="1">
-                <a:latin typeface="Calibri" panose="020F0502020204030204" pitchFamily="34" charset="0"/>
-                <a:ea typeface="楷體-簡" panose="02010600040101010101" pitchFamily="2" charset="-122"/>
-                <a:cs typeface="Times New Roman" panose="02020603050405020304" pitchFamily="18" charset="0"/>
-                <a:hlinkClick r:id="rId3"/>
-              </a:rPr>
-              <a:t>zhtw</a:t>
-            </a:r>
-            <a:r>
-              <a:rPr lang="en" altLang="zh-TW" sz="1800" kern="100" dirty="0">
-                <a:latin typeface="Calibri" panose="020F0502020204030204" pitchFamily="34" charset="0"/>
-                <a:ea typeface="楷體-簡" panose="02010600040101010101" pitchFamily="2" charset="-122"/>
-                <a:cs typeface="Times New Roman" panose="02020603050405020304" pitchFamily="18" charset="0"/>
-                <a:hlinkClick r:id="rId3"/>
-              </a:rPr>
-              <a:t>/%E5%8D%B7%E7%A7%AF%E7%A5%9E%E7%BB%8F%E7%BD%91%E7%BB%9C</a:t>
-            </a:r>
             <a:endParaRPr lang="en-US" altLang="zh-TW" sz="1800" kern="100" dirty="0">
               <a:latin typeface="Calibri" panose="020F0502020204030204" pitchFamily="34" charset="0"/>
               <a:ea typeface="楷體-簡" panose="02010600040101010101" pitchFamily="2" charset="-122"/>
@@ -6726,22 +6645,8 @@
                 <a:ea typeface="楷體-簡" panose="02010600040101010101" pitchFamily="2" charset="-122"/>
                 <a:cs typeface="Times New Roman" panose="02020603050405020304" pitchFamily="18" charset="0"/>
               </a:rPr>
-              <a:t>: </a:t>
-            </a:r>
-            <a:r>
-              <a:rPr lang="en-US" altLang="zh-TW" sz="1800" kern="100" dirty="0">
-                <a:latin typeface="Calibri" panose="020F0502020204030204" pitchFamily="34" charset="0"/>
-                <a:ea typeface="楷體-簡" panose="02010600040101010101" pitchFamily="2" charset="-122"/>
-                <a:cs typeface="Times New Roman" panose="02020603050405020304" pitchFamily="18" charset="0"/>
-                <a:hlinkClick r:id="rId2"/>
-              </a:rPr>
-              <a:t>https://peterlihouse.com/%E9%A6%96%E9%A0%81/%E7%9F%A5%E8%AD%98%E5%88%86%E4%BA%AB/%E6%8F%AD%E5%AF%86%E5%A4%A7%E5%9E%8B%E8%AA%9E%E8%A8%80%E6%A8%A1%E5%9E%8Blarge-language-model-llm-%E8%AE%8A%E6%88%90%E5%B0%88%E5%AE%B6%E7%9A%84%E9%97%9C%E9%8D%B5%E6%8A%80%E8%A</a:t>
-            </a:r>
-            <a:endParaRPr lang="en-US" altLang="zh-TW" sz="1800" kern="100" dirty="0">
-              <a:latin typeface="Calibri" panose="020F0502020204030204" pitchFamily="34" charset="0"/>
-              <a:ea typeface="楷體-簡" panose="02010600040101010101" pitchFamily="2" charset="-122"/>
-              <a:cs typeface="Times New Roman" panose="02020603050405020304" pitchFamily="18" charset="0"/>
-            </a:endParaRPr>
+              <a:t>: https://platform.openai.com/docs/guides/fine-tuning</a:t>
+            </a:r>
           </a:p>
         </p:txBody>
       </p:sp>
